--- a/basicDataProcess/S1_BinaryAndTectData2.pptx
+++ b/basicDataProcess/S1_BinaryAndTectData2.pptx
@@ -217,7 +217,7 @@
           <a:p>
             <a:fld id="{876705D9-278B-47EE-90AF-2ED1E0D6CB9F}" type="datetimeFigureOut">
               <a:rPr lang="zh-TW" altLang="en-US" smtClean="0"/>
-              <a:t>2020/11/27</a:t>
+              <a:t>2021/6/10</a:t>
             </a:fld>
             <a:endParaRPr lang="zh-TW" altLang="en-US"/>
           </a:p>
@@ -281,38 +281,37 @@
           <a:p>
             <a:pPr lvl="0"/>
             <a:r>
-              <a:rPr lang="zh-TW" altLang="en-US" smtClean="0"/>
+              <a:rPr lang="zh-TW" altLang="en-US"/>
               <a:t>按一下以編輯母片文字樣式</a:t>
             </a:r>
           </a:p>
           <a:p>
             <a:pPr lvl="1"/>
             <a:r>
-              <a:rPr lang="zh-TW" altLang="en-US" smtClean="0"/>
+              <a:rPr lang="zh-TW" altLang="en-US"/>
               <a:t>第二層</a:t>
             </a:r>
           </a:p>
           <a:p>
             <a:pPr lvl="2"/>
             <a:r>
-              <a:rPr lang="zh-TW" altLang="en-US" smtClean="0"/>
+              <a:rPr lang="zh-TW" altLang="en-US"/>
               <a:t>第三層</a:t>
             </a:r>
           </a:p>
           <a:p>
             <a:pPr lvl="3"/>
             <a:r>
-              <a:rPr lang="zh-TW" altLang="en-US" smtClean="0"/>
+              <a:rPr lang="zh-TW" altLang="en-US"/>
               <a:t>第四層</a:t>
             </a:r>
           </a:p>
           <a:p>
             <a:pPr lvl="4"/>
             <a:r>
-              <a:rPr lang="zh-TW" altLang="en-US" smtClean="0"/>
+              <a:rPr lang="zh-TW" altLang="en-US"/>
               <a:t>第五層</a:t>
             </a:r>
-            <a:endParaRPr lang="zh-TW" altLang="en-US"/>
           </a:p>
         </p:txBody>
       </p:sp>
@@ -523,10 +522,9 @@
           <a:lstStyle/>
           <a:p>
             <a:r>
-              <a:rPr lang="zh-TW" altLang="en-US" smtClean="0"/>
+              <a:rPr lang="zh-TW" altLang="en-US"/>
               <a:t>按一下以編輯母片標題樣式</a:t>
             </a:r>
-            <a:endParaRPr lang="zh-TW" altLang="en-US"/>
           </a:p>
         </p:txBody>
       </p:sp>
@@ -642,10 +640,9 @@
           </a:lstStyle>
           <a:p>
             <a:r>
-              <a:rPr lang="zh-TW" altLang="en-US" smtClean="0"/>
+              <a:rPr lang="zh-TW" altLang="en-US"/>
               <a:t>按一下以編輯母片副標題樣式</a:t>
             </a:r>
-            <a:endParaRPr lang="zh-TW" altLang="en-US"/>
           </a:p>
         </p:txBody>
       </p:sp>
@@ -666,7 +663,7 @@
           <a:p>
             <a:fld id="{D58BD384-57F6-4D5A-8CBF-59EC341E346E}" type="datetimeFigureOut">
               <a:rPr lang="zh-TW" altLang="en-US" smtClean="0"/>
-              <a:t>2020/11/27</a:t>
+              <a:t>2021/6/10</a:t>
             </a:fld>
             <a:endParaRPr lang="zh-TW" altLang="en-US"/>
           </a:p>
@@ -760,10 +757,9 @@
           <a:lstStyle/>
           <a:p>
             <a:r>
-              <a:rPr lang="zh-TW" altLang="en-US" smtClean="0"/>
+              <a:rPr lang="zh-TW" altLang="en-US"/>
               <a:t>按一下以編輯母片標題樣式</a:t>
             </a:r>
-            <a:endParaRPr lang="zh-TW" altLang="en-US"/>
           </a:p>
         </p:txBody>
       </p:sp>
@@ -784,38 +780,37 @@
           <a:p>
             <a:pPr lvl="0"/>
             <a:r>
-              <a:rPr lang="zh-TW" altLang="en-US" smtClean="0"/>
+              <a:rPr lang="zh-TW" altLang="en-US"/>
               <a:t>按一下以編輯母片文字樣式</a:t>
             </a:r>
           </a:p>
           <a:p>
             <a:pPr lvl="1"/>
             <a:r>
-              <a:rPr lang="zh-TW" altLang="en-US" smtClean="0"/>
+              <a:rPr lang="zh-TW" altLang="en-US"/>
               <a:t>第二層</a:t>
             </a:r>
           </a:p>
           <a:p>
             <a:pPr lvl="2"/>
             <a:r>
-              <a:rPr lang="zh-TW" altLang="en-US" smtClean="0"/>
+              <a:rPr lang="zh-TW" altLang="en-US"/>
               <a:t>第三層</a:t>
             </a:r>
           </a:p>
           <a:p>
             <a:pPr lvl="3"/>
             <a:r>
-              <a:rPr lang="zh-TW" altLang="en-US" smtClean="0"/>
+              <a:rPr lang="zh-TW" altLang="en-US"/>
               <a:t>第四層</a:t>
             </a:r>
           </a:p>
           <a:p>
             <a:pPr lvl="4"/>
             <a:r>
-              <a:rPr lang="zh-TW" altLang="en-US" smtClean="0"/>
+              <a:rPr lang="zh-TW" altLang="en-US"/>
               <a:t>第五層</a:t>
             </a:r>
-            <a:endParaRPr lang="zh-TW" altLang="en-US"/>
           </a:p>
         </p:txBody>
       </p:sp>
@@ -836,7 +831,7 @@
           <a:p>
             <a:fld id="{D58BD384-57F6-4D5A-8CBF-59EC341E346E}" type="datetimeFigureOut">
               <a:rPr lang="zh-TW" altLang="en-US" smtClean="0"/>
-              <a:t>2020/11/27</a:t>
+              <a:t>2021/6/10</a:t>
             </a:fld>
             <a:endParaRPr lang="zh-TW" altLang="en-US"/>
           </a:p>
@@ -935,10 +930,9 @@
           <a:lstStyle/>
           <a:p>
             <a:r>
-              <a:rPr lang="zh-TW" altLang="en-US" smtClean="0"/>
+              <a:rPr lang="zh-TW" altLang="en-US"/>
               <a:t>按一下以編輯母片標題樣式</a:t>
             </a:r>
-            <a:endParaRPr lang="zh-TW" altLang="en-US"/>
           </a:p>
         </p:txBody>
       </p:sp>
@@ -964,38 +958,37 @@
           <a:p>
             <a:pPr lvl="0"/>
             <a:r>
-              <a:rPr lang="zh-TW" altLang="en-US" smtClean="0"/>
+              <a:rPr lang="zh-TW" altLang="en-US"/>
               <a:t>按一下以編輯母片文字樣式</a:t>
             </a:r>
           </a:p>
           <a:p>
             <a:pPr lvl="1"/>
             <a:r>
-              <a:rPr lang="zh-TW" altLang="en-US" smtClean="0"/>
+              <a:rPr lang="zh-TW" altLang="en-US"/>
               <a:t>第二層</a:t>
             </a:r>
           </a:p>
           <a:p>
             <a:pPr lvl="2"/>
             <a:r>
-              <a:rPr lang="zh-TW" altLang="en-US" smtClean="0"/>
+              <a:rPr lang="zh-TW" altLang="en-US"/>
               <a:t>第三層</a:t>
             </a:r>
           </a:p>
           <a:p>
             <a:pPr lvl="3"/>
             <a:r>
-              <a:rPr lang="zh-TW" altLang="en-US" smtClean="0"/>
+              <a:rPr lang="zh-TW" altLang="en-US"/>
               <a:t>第四層</a:t>
             </a:r>
           </a:p>
           <a:p>
             <a:pPr lvl="4"/>
             <a:r>
-              <a:rPr lang="zh-TW" altLang="en-US" smtClean="0"/>
+              <a:rPr lang="zh-TW" altLang="en-US"/>
               <a:t>第五層</a:t>
             </a:r>
-            <a:endParaRPr lang="zh-TW" altLang="en-US"/>
           </a:p>
         </p:txBody>
       </p:sp>
@@ -1016,7 +1009,7 @@
           <a:p>
             <a:fld id="{D58BD384-57F6-4D5A-8CBF-59EC341E346E}" type="datetimeFigureOut">
               <a:rPr lang="zh-TW" altLang="en-US" smtClean="0"/>
-              <a:t>2020/11/27</a:t>
+              <a:t>2021/6/10</a:t>
             </a:fld>
             <a:endParaRPr lang="zh-TW" altLang="en-US"/>
           </a:p>
@@ -1110,10 +1103,9 @@
           <a:lstStyle/>
           <a:p>
             <a:r>
-              <a:rPr lang="zh-TW" altLang="en-US" smtClean="0"/>
+              <a:rPr lang="zh-TW" altLang="en-US"/>
               <a:t>按一下以編輯母片標題樣式</a:t>
             </a:r>
-            <a:endParaRPr lang="zh-TW" altLang="en-US"/>
           </a:p>
         </p:txBody>
       </p:sp>
@@ -1134,38 +1126,37 @@
           <a:p>
             <a:pPr lvl="0"/>
             <a:r>
-              <a:rPr lang="zh-TW" altLang="en-US" smtClean="0"/>
+              <a:rPr lang="zh-TW" altLang="en-US"/>
               <a:t>按一下以編輯母片文字樣式</a:t>
             </a:r>
           </a:p>
           <a:p>
             <a:pPr lvl="1"/>
             <a:r>
-              <a:rPr lang="zh-TW" altLang="en-US" smtClean="0"/>
+              <a:rPr lang="zh-TW" altLang="en-US"/>
               <a:t>第二層</a:t>
             </a:r>
           </a:p>
           <a:p>
             <a:pPr lvl="2"/>
             <a:r>
-              <a:rPr lang="zh-TW" altLang="en-US" smtClean="0"/>
+              <a:rPr lang="zh-TW" altLang="en-US"/>
               <a:t>第三層</a:t>
             </a:r>
           </a:p>
           <a:p>
             <a:pPr lvl="3"/>
             <a:r>
-              <a:rPr lang="zh-TW" altLang="en-US" smtClean="0"/>
+              <a:rPr lang="zh-TW" altLang="en-US"/>
               <a:t>第四層</a:t>
             </a:r>
           </a:p>
           <a:p>
             <a:pPr lvl="4"/>
             <a:r>
-              <a:rPr lang="zh-TW" altLang="en-US" smtClean="0"/>
+              <a:rPr lang="zh-TW" altLang="en-US"/>
               <a:t>第五層</a:t>
             </a:r>
-            <a:endParaRPr lang="zh-TW" altLang="en-US"/>
           </a:p>
         </p:txBody>
       </p:sp>
@@ -1186,7 +1177,7 @@
           <a:p>
             <a:fld id="{D58BD384-57F6-4D5A-8CBF-59EC341E346E}" type="datetimeFigureOut">
               <a:rPr lang="zh-TW" altLang="en-US" smtClean="0"/>
-              <a:t>2020/11/27</a:t>
+              <a:t>2021/6/10</a:t>
             </a:fld>
             <a:endParaRPr lang="zh-TW" altLang="en-US"/>
           </a:p>
@@ -1289,10 +1280,9 @@
           </a:lstStyle>
           <a:p>
             <a:r>
-              <a:rPr lang="zh-TW" altLang="en-US" smtClean="0"/>
+              <a:rPr lang="zh-TW" altLang="en-US"/>
               <a:t>按一下以編輯母片標題樣式</a:t>
             </a:r>
-            <a:endParaRPr lang="zh-TW" altLang="en-US"/>
           </a:p>
         </p:txBody>
       </p:sp>
@@ -1409,7 +1399,7 @@
           <a:p>
             <a:pPr lvl="0"/>
             <a:r>
-              <a:rPr lang="zh-TW" altLang="en-US" smtClean="0"/>
+              <a:rPr lang="zh-TW" altLang="en-US"/>
               <a:t>按一下以編輯母片文字樣式</a:t>
             </a:r>
           </a:p>
@@ -1432,7 +1422,7 @@
           <a:p>
             <a:fld id="{D58BD384-57F6-4D5A-8CBF-59EC341E346E}" type="datetimeFigureOut">
               <a:rPr lang="zh-TW" altLang="en-US" smtClean="0"/>
-              <a:t>2020/11/27</a:t>
+              <a:t>2021/6/10</a:t>
             </a:fld>
             <a:endParaRPr lang="zh-TW" altLang="en-US"/>
           </a:p>
@@ -1526,10 +1516,9 @@
           <a:lstStyle/>
           <a:p>
             <a:r>
-              <a:rPr lang="zh-TW" altLang="en-US" smtClean="0"/>
+              <a:rPr lang="zh-TW" altLang="en-US"/>
               <a:t>按一下以編輯母片標題樣式</a:t>
             </a:r>
-            <a:endParaRPr lang="zh-TW" altLang="en-US"/>
           </a:p>
         </p:txBody>
       </p:sp>
@@ -1583,38 +1572,37 @@
           <a:p>
             <a:pPr lvl="0"/>
             <a:r>
-              <a:rPr lang="zh-TW" altLang="en-US" smtClean="0"/>
+              <a:rPr lang="zh-TW" altLang="en-US"/>
               <a:t>按一下以編輯母片文字樣式</a:t>
             </a:r>
           </a:p>
           <a:p>
             <a:pPr lvl="1"/>
             <a:r>
-              <a:rPr lang="zh-TW" altLang="en-US" smtClean="0"/>
+              <a:rPr lang="zh-TW" altLang="en-US"/>
               <a:t>第二層</a:t>
             </a:r>
           </a:p>
           <a:p>
             <a:pPr lvl="2"/>
             <a:r>
-              <a:rPr lang="zh-TW" altLang="en-US" smtClean="0"/>
+              <a:rPr lang="zh-TW" altLang="en-US"/>
               <a:t>第三層</a:t>
             </a:r>
           </a:p>
           <a:p>
             <a:pPr lvl="3"/>
             <a:r>
-              <a:rPr lang="zh-TW" altLang="en-US" smtClean="0"/>
+              <a:rPr lang="zh-TW" altLang="en-US"/>
               <a:t>第四層</a:t>
             </a:r>
           </a:p>
           <a:p>
             <a:pPr lvl="4"/>
             <a:r>
-              <a:rPr lang="zh-TW" altLang="en-US" smtClean="0"/>
+              <a:rPr lang="zh-TW" altLang="en-US"/>
               <a:t>第五層</a:t>
             </a:r>
-            <a:endParaRPr lang="zh-TW" altLang="en-US"/>
           </a:p>
         </p:txBody>
       </p:sp>
@@ -1668,38 +1656,37 @@
           <a:p>
             <a:pPr lvl="0"/>
             <a:r>
-              <a:rPr lang="zh-TW" altLang="en-US" smtClean="0"/>
+              <a:rPr lang="zh-TW" altLang="en-US"/>
               <a:t>按一下以編輯母片文字樣式</a:t>
             </a:r>
           </a:p>
           <a:p>
             <a:pPr lvl="1"/>
             <a:r>
-              <a:rPr lang="zh-TW" altLang="en-US" smtClean="0"/>
+              <a:rPr lang="zh-TW" altLang="en-US"/>
               <a:t>第二層</a:t>
             </a:r>
           </a:p>
           <a:p>
             <a:pPr lvl="2"/>
             <a:r>
-              <a:rPr lang="zh-TW" altLang="en-US" smtClean="0"/>
+              <a:rPr lang="zh-TW" altLang="en-US"/>
               <a:t>第三層</a:t>
             </a:r>
           </a:p>
           <a:p>
             <a:pPr lvl="3"/>
             <a:r>
-              <a:rPr lang="zh-TW" altLang="en-US" smtClean="0"/>
+              <a:rPr lang="zh-TW" altLang="en-US"/>
               <a:t>第四層</a:t>
             </a:r>
           </a:p>
           <a:p>
             <a:pPr lvl="4"/>
             <a:r>
-              <a:rPr lang="zh-TW" altLang="en-US" smtClean="0"/>
+              <a:rPr lang="zh-TW" altLang="en-US"/>
               <a:t>第五層</a:t>
             </a:r>
-            <a:endParaRPr lang="zh-TW" altLang="en-US"/>
           </a:p>
         </p:txBody>
       </p:sp>
@@ -1720,7 +1707,7 @@
           <a:p>
             <a:fld id="{D58BD384-57F6-4D5A-8CBF-59EC341E346E}" type="datetimeFigureOut">
               <a:rPr lang="zh-TW" altLang="en-US" smtClean="0"/>
-              <a:t>2020/11/27</a:t>
+              <a:t>2021/6/10</a:t>
             </a:fld>
             <a:endParaRPr lang="zh-TW" altLang="en-US"/>
           </a:p>
@@ -1818,10 +1805,9 @@
           </a:lstStyle>
           <a:p>
             <a:r>
-              <a:rPr lang="zh-TW" altLang="en-US" smtClean="0"/>
+              <a:rPr lang="zh-TW" altLang="en-US"/>
               <a:t>按一下以編輯母片標題樣式</a:t>
             </a:r>
-            <a:endParaRPr lang="zh-TW" altLang="en-US"/>
           </a:p>
         </p:txBody>
       </p:sp>
@@ -1884,7 +1870,7 @@
           <a:p>
             <a:pPr lvl="0"/>
             <a:r>
-              <a:rPr lang="zh-TW" altLang="en-US" smtClean="0"/>
+              <a:rPr lang="zh-TW" altLang="en-US"/>
               <a:t>按一下以編輯母片文字樣式</a:t>
             </a:r>
           </a:p>
@@ -1940,38 +1926,37 @@
           <a:p>
             <a:pPr lvl="0"/>
             <a:r>
-              <a:rPr lang="zh-TW" altLang="en-US" smtClean="0"/>
+              <a:rPr lang="zh-TW" altLang="en-US"/>
               <a:t>按一下以編輯母片文字樣式</a:t>
             </a:r>
           </a:p>
           <a:p>
             <a:pPr lvl="1"/>
             <a:r>
-              <a:rPr lang="zh-TW" altLang="en-US" smtClean="0"/>
+              <a:rPr lang="zh-TW" altLang="en-US"/>
               <a:t>第二層</a:t>
             </a:r>
           </a:p>
           <a:p>
             <a:pPr lvl="2"/>
             <a:r>
-              <a:rPr lang="zh-TW" altLang="en-US" smtClean="0"/>
+              <a:rPr lang="zh-TW" altLang="en-US"/>
               <a:t>第三層</a:t>
             </a:r>
           </a:p>
           <a:p>
             <a:pPr lvl="3"/>
             <a:r>
-              <a:rPr lang="zh-TW" altLang="en-US" smtClean="0"/>
+              <a:rPr lang="zh-TW" altLang="en-US"/>
               <a:t>第四層</a:t>
             </a:r>
           </a:p>
           <a:p>
             <a:pPr lvl="4"/>
             <a:r>
-              <a:rPr lang="zh-TW" altLang="en-US" smtClean="0"/>
+              <a:rPr lang="zh-TW" altLang="en-US"/>
               <a:t>第五層</a:t>
             </a:r>
-            <a:endParaRPr lang="zh-TW" altLang="en-US"/>
           </a:p>
         </p:txBody>
       </p:sp>
@@ -2034,7 +2019,7 @@
           <a:p>
             <a:pPr lvl="0"/>
             <a:r>
-              <a:rPr lang="zh-TW" altLang="en-US" smtClean="0"/>
+              <a:rPr lang="zh-TW" altLang="en-US"/>
               <a:t>按一下以編輯母片文字樣式</a:t>
             </a:r>
           </a:p>
@@ -2090,38 +2075,37 @@
           <a:p>
             <a:pPr lvl="0"/>
             <a:r>
-              <a:rPr lang="zh-TW" altLang="en-US" smtClean="0"/>
+              <a:rPr lang="zh-TW" altLang="en-US"/>
               <a:t>按一下以編輯母片文字樣式</a:t>
             </a:r>
           </a:p>
           <a:p>
             <a:pPr lvl="1"/>
             <a:r>
-              <a:rPr lang="zh-TW" altLang="en-US" smtClean="0"/>
+              <a:rPr lang="zh-TW" altLang="en-US"/>
               <a:t>第二層</a:t>
             </a:r>
           </a:p>
           <a:p>
             <a:pPr lvl="2"/>
             <a:r>
-              <a:rPr lang="zh-TW" altLang="en-US" smtClean="0"/>
+              <a:rPr lang="zh-TW" altLang="en-US"/>
               <a:t>第三層</a:t>
             </a:r>
           </a:p>
           <a:p>
             <a:pPr lvl="3"/>
             <a:r>
-              <a:rPr lang="zh-TW" altLang="en-US" smtClean="0"/>
+              <a:rPr lang="zh-TW" altLang="en-US"/>
               <a:t>第四層</a:t>
             </a:r>
           </a:p>
           <a:p>
             <a:pPr lvl="4"/>
             <a:r>
-              <a:rPr lang="zh-TW" altLang="en-US" smtClean="0"/>
+              <a:rPr lang="zh-TW" altLang="en-US"/>
               <a:t>第五層</a:t>
             </a:r>
-            <a:endParaRPr lang="zh-TW" altLang="en-US"/>
           </a:p>
         </p:txBody>
       </p:sp>
@@ -2142,7 +2126,7 @@
           <a:p>
             <a:fld id="{D58BD384-57F6-4D5A-8CBF-59EC341E346E}" type="datetimeFigureOut">
               <a:rPr lang="zh-TW" altLang="en-US" smtClean="0"/>
-              <a:t>2020/11/27</a:t>
+              <a:t>2021/6/10</a:t>
             </a:fld>
             <a:endParaRPr lang="zh-TW" altLang="en-US"/>
           </a:p>
@@ -2236,10 +2220,9 @@
           <a:lstStyle/>
           <a:p>
             <a:r>
-              <a:rPr lang="zh-TW" altLang="en-US" smtClean="0"/>
+              <a:rPr lang="zh-TW" altLang="en-US"/>
               <a:t>按一下以編輯母片標題樣式</a:t>
             </a:r>
-            <a:endParaRPr lang="zh-TW" altLang="en-US"/>
           </a:p>
         </p:txBody>
       </p:sp>
@@ -2260,7 +2243,7 @@
           <a:p>
             <a:fld id="{D58BD384-57F6-4D5A-8CBF-59EC341E346E}" type="datetimeFigureOut">
               <a:rPr lang="zh-TW" altLang="en-US" smtClean="0"/>
-              <a:t>2020/11/27</a:t>
+              <a:t>2021/6/10</a:t>
             </a:fld>
             <a:endParaRPr lang="zh-TW" altLang="en-US"/>
           </a:p>
@@ -2355,7 +2338,7 @@
           <a:p>
             <a:fld id="{D58BD384-57F6-4D5A-8CBF-59EC341E346E}" type="datetimeFigureOut">
               <a:rPr lang="zh-TW" altLang="en-US" smtClean="0"/>
-              <a:t>2020/11/27</a:t>
+              <a:t>2021/6/10</a:t>
             </a:fld>
             <a:endParaRPr lang="zh-TW" altLang="en-US"/>
           </a:p>
@@ -2458,10 +2441,9 @@
           </a:lstStyle>
           <a:p>
             <a:r>
-              <a:rPr lang="zh-TW" altLang="en-US" smtClean="0"/>
+              <a:rPr lang="zh-TW" altLang="en-US"/>
               <a:t>按一下以編輯母片標題樣式</a:t>
             </a:r>
-            <a:endParaRPr lang="zh-TW" altLang="en-US"/>
           </a:p>
         </p:txBody>
       </p:sp>
@@ -2515,38 +2497,37 @@
           <a:p>
             <a:pPr lvl="0"/>
             <a:r>
-              <a:rPr lang="zh-TW" altLang="en-US" smtClean="0"/>
+              <a:rPr lang="zh-TW" altLang="en-US"/>
               <a:t>按一下以編輯母片文字樣式</a:t>
             </a:r>
           </a:p>
           <a:p>
             <a:pPr lvl="1"/>
             <a:r>
-              <a:rPr lang="zh-TW" altLang="en-US" smtClean="0"/>
+              <a:rPr lang="zh-TW" altLang="en-US"/>
               <a:t>第二層</a:t>
             </a:r>
           </a:p>
           <a:p>
             <a:pPr lvl="2"/>
             <a:r>
-              <a:rPr lang="zh-TW" altLang="en-US" smtClean="0"/>
+              <a:rPr lang="zh-TW" altLang="en-US"/>
               <a:t>第三層</a:t>
             </a:r>
           </a:p>
           <a:p>
             <a:pPr lvl="3"/>
             <a:r>
-              <a:rPr lang="zh-TW" altLang="en-US" smtClean="0"/>
+              <a:rPr lang="zh-TW" altLang="en-US"/>
               <a:t>第四層</a:t>
             </a:r>
           </a:p>
           <a:p>
             <a:pPr lvl="4"/>
             <a:r>
-              <a:rPr lang="zh-TW" altLang="en-US" smtClean="0"/>
+              <a:rPr lang="zh-TW" altLang="en-US"/>
               <a:t>第五層</a:t>
             </a:r>
-            <a:endParaRPr lang="zh-TW" altLang="en-US"/>
           </a:p>
         </p:txBody>
       </p:sp>
@@ -2609,7 +2590,7 @@
           <a:p>
             <a:pPr lvl="0"/>
             <a:r>
-              <a:rPr lang="zh-TW" altLang="en-US" smtClean="0"/>
+              <a:rPr lang="zh-TW" altLang="en-US"/>
               <a:t>按一下以編輯母片文字樣式</a:t>
             </a:r>
           </a:p>
@@ -2632,7 +2613,7 @@
           <a:p>
             <a:fld id="{D58BD384-57F6-4D5A-8CBF-59EC341E346E}" type="datetimeFigureOut">
               <a:rPr lang="zh-TW" altLang="en-US" smtClean="0"/>
-              <a:t>2020/11/27</a:t>
+              <a:t>2021/6/10</a:t>
             </a:fld>
             <a:endParaRPr lang="zh-TW" altLang="en-US"/>
           </a:p>
@@ -2735,10 +2716,9 @@
           </a:lstStyle>
           <a:p>
             <a:r>
-              <a:rPr lang="zh-TW" altLang="en-US" smtClean="0"/>
+              <a:rPr lang="zh-TW" altLang="en-US"/>
               <a:t>按一下以編輯母片標題樣式</a:t>
             </a:r>
-            <a:endParaRPr lang="zh-TW" altLang="en-US"/>
           </a:p>
         </p:txBody>
       </p:sp>
@@ -2862,7 +2842,7 @@
           <a:p>
             <a:pPr lvl="0"/>
             <a:r>
-              <a:rPr lang="zh-TW" altLang="en-US" smtClean="0"/>
+              <a:rPr lang="zh-TW" altLang="en-US"/>
               <a:t>按一下以編輯母片文字樣式</a:t>
             </a:r>
           </a:p>
@@ -2885,7 +2865,7 @@
           <a:p>
             <a:fld id="{D58BD384-57F6-4D5A-8CBF-59EC341E346E}" type="datetimeFigureOut">
               <a:rPr lang="zh-TW" altLang="en-US" smtClean="0"/>
-              <a:t>2020/11/27</a:t>
+              <a:t>2021/6/10</a:t>
             </a:fld>
             <a:endParaRPr lang="zh-TW" altLang="en-US"/>
           </a:p>
@@ -2994,10 +2974,9 @@
           <a:lstStyle/>
           <a:p>
             <a:r>
-              <a:rPr lang="zh-TW" altLang="en-US" smtClean="0"/>
+              <a:rPr lang="zh-TW" altLang="en-US"/>
               <a:t>按一下以編輯母片標題樣式</a:t>
             </a:r>
-            <a:endParaRPr lang="zh-TW" altLang="en-US"/>
           </a:p>
         </p:txBody>
       </p:sp>
@@ -3028,38 +3007,37 @@
           <a:p>
             <a:pPr lvl="0"/>
             <a:r>
-              <a:rPr lang="zh-TW" altLang="en-US" smtClean="0"/>
+              <a:rPr lang="zh-TW" altLang="en-US"/>
               <a:t>按一下以編輯母片文字樣式</a:t>
             </a:r>
           </a:p>
           <a:p>
             <a:pPr lvl="1"/>
             <a:r>
-              <a:rPr lang="zh-TW" altLang="en-US" smtClean="0"/>
+              <a:rPr lang="zh-TW" altLang="en-US"/>
               <a:t>第二層</a:t>
             </a:r>
           </a:p>
           <a:p>
             <a:pPr lvl="2"/>
             <a:r>
-              <a:rPr lang="zh-TW" altLang="en-US" smtClean="0"/>
+              <a:rPr lang="zh-TW" altLang="en-US"/>
               <a:t>第三層</a:t>
             </a:r>
           </a:p>
           <a:p>
             <a:pPr lvl="3"/>
             <a:r>
-              <a:rPr lang="zh-TW" altLang="en-US" smtClean="0"/>
+              <a:rPr lang="zh-TW" altLang="en-US"/>
               <a:t>第四層</a:t>
             </a:r>
           </a:p>
           <a:p>
             <a:pPr lvl="4"/>
             <a:r>
-              <a:rPr lang="zh-TW" altLang="en-US" smtClean="0"/>
+              <a:rPr lang="zh-TW" altLang="en-US"/>
               <a:t>第五層</a:t>
             </a:r>
-            <a:endParaRPr lang="zh-TW" altLang="en-US"/>
           </a:p>
         </p:txBody>
       </p:sp>
@@ -3098,7 +3076,7 @@
           <a:p>
             <a:fld id="{D58BD384-57F6-4D5A-8CBF-59EC341E346E}" type="datetimeFigureOut">
               <a:rPr lang="zh-TW" altLang="en-US" smtClean="0"/>
-              <a:t>2020/11/27</a:t>
+              <a:t>2021/6/10</a:t>
             </a:fld>
             <a:endParaRPr lang="zh-TW" altLang="en-US"/>
           </a:p>
@@ -3496,10 +3474,9 @@
           <a:lstStyle/>
           <a:p>
             <a:r>
-              <a:rPr lang="zh-TW" altLang="en-US" sz="6000" dirty="0" smtClean="0"/>
+              <a:rPr lang="zh-TW" altLang="en-US" sz="6000" dirty="0"/>
               <a:t>數位資料介紹</a:t>
             </a:r>
-            <a:endParaRPr lang="zh-TW" altLang="en-US" sz="6000" dirty="0"/>
           </a:p>
         </p:txBody>
       </p:sp>
@@ -3537,13 +3514,6 @@
   <p:clrMapOvr>
     <a:masterClrMapping/>
   </p:clrMapOvr>
-  <p:timing>
-    <p:tnLst>
-      <p:par>
-        <p:cTn id="1" dur="indefinite" restart="never" nodeType="tmRoot"/>
-      </p:par>
-    </p:tnLst>
-  </p:timing>
 </p:sld>
 </file>
 
@@ -3580,14 +3550,13 @@
           <a:lstStyle/>
           <a:p>
             <a:r>
-              <a:rPr lang="en-US" altLang="zh-TW" dirty="0" smtClean="0"/>
+              <a:rPr lang="en-US" altLang="zh-TW" dirty="0"/>
               <a:t>Binary data </a:t>
             </a:r>
             <a:r>
-              <a:rPr lang="zh-TW" altLang="en-US" dirty="0" smtClean="0"/>
+              <a:rPr lang="zh-TW" altLang="en-US" dirty="0"/>
               <a:t>檢視工具</a:t>
             </a:r>
-            <a:endParaRPr lang="zh-TW" altLang="en-US" dirty="0"/>
           </a:p>
         </p:txBody>
       </p:sp>
@@ -3607,18 +3576,18 @@
           <a:lstStyle/>
           <a:p>
             <a:r>
-              <a:rPr lang="en-US" altLang="zh-TW" dirty="0" err="1" smtClean="0"/>
+              <a:rPr lang="en-US" altLang="zh-TW" dirty="0" err="1"/>
               <a:t>Ultraedit</a:t>
             </a:r>
             <a:r>
-              <a:rPr lang="en-US" altLang="zh-TW" dirty="0" smtClean="0"/>
+              <a:rPr lang="en-US" altLang="zh-TW" dirty="0"/>
               <a:t>:</a:t>
             </a:r>
             <a:r>
-              <a:rPr lang="zh-TW" altLang="en-US" dirty="0" smtClean="0"/>
+              <a:rPr lang="zh-TW" altLang="en-US" dirty="0"/>
               <a:t> </a:t>
             </a:r>
-            <a:endParaRPr lang="en-US" altLang="zh-TW" dirty="0" smtClean="0"/>
+            <a:endParaRPr lang="en-US" altLang="zh-TW" dirty="0"/>
           </a:p>
           <a:p>
             <a:pPr lvl="1"/>
@@ -3629,20 +3598,16 @@
           </a:p>
           <a:p>
             <a:r>
-              <a:rPr lang="en-US" altLang="zh-TW" dirty="0" err="1" smtClean="0"/>
+              <a:rPr lang="en-US" altLang="zh-TW" dirty="0" err="1"/>
               <a:t>NotePad</a:t>
             </a:r>
             <a:r>
-              <a:rPr lang="en-US" altLang="zh-TW" dirty="0" smtClean="0"/>
+              <a:rPr lang="en-US" altLang="zh-TW" dirty="0"/>
               <a:t> ++ </a:t>
             </a:r>
             <a:r>
-              <a:rPr lang="zh-TW" altLang="en-US" dirty="0" smtClean="0"/>
-              <a:t>二進位</a:t>
-            </a:r>
-            <a:r>
               <a:rPr lang="zh-TW" altLang="en-US" dirty="0"/>
-              <a:t>編輯器模組</a:t>
+              <a:t>二進位編輯器模組</a:t>
             </a:r>
             <a:r>
               <a:rPr lang="en-US" altLang="zh-TW" dirty="0"/>
@@ -3652,16 +3617,8 @@
           <a:p>
             <a:pPr lvl="1"/>
             <a:r>
-              <a:rPr lang="en-US" altLang="zh-TW" dirty="0" smtClean="0"/>
-              <a:t>https</a:t>
-            </a:r>
-            <a:r>
               <a:rPr lang="en-US" altLang="zh-TW" dirty="0"/>
-              <a:t>://</a:t>
-            </a:r>
-            <a:r>
-              <a:rPr lang="en-US" altLang="zh-TW" dirty="0" smtClean="0"/>
-              <a:t>dotblogs.com.tw/kyleshen/2013/07/21/111745</a:t>
+              <a:t>https://dotblogs.com.tw/kyleshen/2013/07/21/111745</a:t>
             </a:r>
           </a:p>
           <a:p>
@@ -3673,7 +3630,7 @@
           <a:p>
             <a:pPr lvl="1"/>
             <a:r>
-              <a:rPr lang="en-US" altLang="zh-TW" smtClean="0"/>
+              <a:rPr lang="en-US" altLang="zh-TW"/>
               <a:t>https</a:t>
             </a:r>
             <a:r>
@@ -3735,7 +3692,7 @@
           <a:lstStyle/>
           <a:p>
             <a:r>
-              <a:rPr lang="en-US" altLang="zh-TW" dirty="0" smtClean="0"/>
+              <a:rPr lang="en-US" altLang="zh-TW" dirty="0"/>
               <a:t>bit and byte</a:t>
             </a:r>
             <a:endParaRPr lang="zh-TW" altLang="en-US" dirty="0"/>
@@ -3765,49 +3722,41 @@
           <a:lstStyle/>
           <a:p>
             <a:r>
-              <a:rPr lang="en-US" altLang="zh-TW" sz="2400" dirty="0" smtClean="0"/>
+              <a:rPr lang="en-US" altLang="zh-TW" sz="2400" dirty="0"/>
               <a:t>Bit</a:t>
             </a:r>
             <a:r>
-              <a:rPr lang="zh-TW" altLang="en-US" sz="2400" dirty="0" smtClean="0"/>
-              <a:t>位元：是</a:t>
-            </a:r>
-            <a:r>
               <a:rPr lang="zh-TW" altLang="en-US" sz="2400" dirty="0"/>
-              <a:t>電腦中最小的</a:t>
-            </a:r>
-            <a:r>
-              <a:rPr lang="zh-TW" altLang="en-US" sz="2400" dirty="0" smtClean="0"/>
-              <a:t>單位</a:t>
-            </a:r>
-            <a:endParaRPr lang="en-US" altLang="zh-TW" sz="2400" dirty="0" smtClean="0"/>
+              <a:t>位元：是電腦中最小的單位</a:t>
+            </a:r>
+            <a:endParaRPr lang="en-US" altLang="zh-TW" sz="2400" dirty="0"/>
           </a:p>
           <a:p>
             <a:pPr lvl="1"/>
             <a:r>
-              <a:rPr lang="zh-TW" altLang="en-US" sz="2000" dirty="0" smtClean="0"/>
+              <a:rPr lang="zh-TW" altLang="en-US" sz="2000" dirty="0"/>
               <a:t>表示一個 </a:t>
             </a:r>
             <a:r>
-              <a:rPr lang="en-US" altLang="zh-TW" sz="2000" dirty="0" smtClean="0"/>
+              <a:rPr lang="en-US" altLang="zh-TW" sz="2000" dirty="0"/>
               <a:t>0</a:t>
             </a:r>
             <a:r>
-              <a:rPr lang="zh-TW" altLang="en-US" sz="2000" dirty="0" smtClean="0"/>
+              <a:rPr lang="zh-TW" altLang="en-US" sz="2000" dirty="0"/>
               <a:t>或</a:t>
             </a:r>
             <a:r>
-              <a:rPr lang="en-US" altLang="zh-TW" sz="2000" dirty="0" smtClean="0"/>
+              <a:rPr lang="en-US" altLang="zh-TW" sz="2000" dirty="0"/>
               <a:t>1 </a:t>
             </a:r>
             <a:r>
-              <a:rPr lang="zh-TW" altLang="en-US" sz="2000" dirty="0" smtClean="0"/>
+              <a:rPr lang="zh-TW" altLang="en-US" sz="2000" dirty="0"/>
               <a:t>的狀態</a:t>
             </a:r>
-            <a:endParaRPr lang="en-US" altLang="zh-TW" sz="2000" dirty="0" smtClean="0"/>
-          </a:p>
-          <a:p>
-            <a:endParaRPr lang="en-US" altLang="zh-TW" sz="2400" dirty="0" smtClean="0"/>
+            <a:endParaRPr lang="en-US" altLang="zh-TW" sz="2000" dirty="0"/>
+          </a:p>
+          <a:p>
+            <a:endParaRPr lang="en-US" altLang="zh-TW" sz="2400" dirty="0"/>
           </a:p>
           <a:p>
             <a:r>
@@ -3816,17 +3765,13 @@
             </a:r>
             <a:r>
               <a:rPr lang="en-US" altLang="zh-TW" sz="2400" dirty="0"/>
-              <a:t>(</a:t>
-            </a:r>
-            <a:r>
-              <a:rPr lang="en-US" altLang="zh-TW" sz="2400" dirty="0" smtClean="0"/>
-              <a:t>Byte ):</a:t>
-            </a:r>
-            <a:r>
-              <a:rPr lang="zh-TW" altLang="en-US" sz="2400" dirty="0" smtClean="0"/>
+              <a:t>(Byte ):</a:t>
+            </a:r>
+            <a:r>
+              <a:rPr lang="zh-TW" altLang="en-US" sz="2400" dirty="0"/>
               <a:t>資料儲存、處理、傳輸基本單位</a:t>
             </a:r>
-            <a:endParaRPr lang="en-US" altLang="zh-TW" sz="2400" dirty="0" smtClean="0"/>
+            <a:endParaRPr lang="en-US" altLang="zh-TW" sz="2400" dirty="0"/>
           </a:p>
           <a:p>
             <a:pPr lvl="1"/>
@@ -3838,16 +3783,12 @@
           <a:p>
             <a:pPr lvl="1"/>
             <a:r>
-              <a:rPr lang="en-US" altLang="zh-TW" sz="2000" dirty="0" smtClean="0"/>
+              <a:rPr lang="en-US" altLang="zh-TW" sz="2000" dirty="0"/>
               <a:t>8 </a:t>
             </a:r>
             <a:r>
               <a:rPr lang="zh-TW" altLang="en-US" sz="2000" dirty="0"/>
-              <a:t>個位</a:t>
-            </a:r>
-            <a:r>
-              <a:rPr lang="zh-TW" altLang="en-US" sz="2000" dirty="0" smtClean="0"/>
-              <a:t>元有 </a:t>
+              <a:t>個位元有 </a:t>
             </a:r>
             <a:r>
               <a:rPr lang="en-US" altLang="zh-TW" sz="2000" dirty="0"/>
@@ -3894,24 +3835,16 @@
               <a:t>256 </a:t>
             </a:r>
             <a:r>
-              <a:rPr lang="zh-TW" altLang="en-US" sz="2000" dirty="0" smtClean="0"/>
+              <a:rPr lang="zh-TW" altLang="en-US" sz="2000" dirty="0"/>
               <a:t>種狀態</a:t>
             </a:r>
-            <a:endParaRPr lang="en-US" altLang="zh-TW" sz="2000" dirty="0" smtClean="0"/>
+            <a:endParaRPr lang="en-US" altLang="zh-TW" sz="2000" dirty="0"/>
           </a:p>
           <a:p>
             <a:pPr lvl="1"/>
             <a:r>
-              <a:rPr lang="zh-TW" altLang="en-US" sz="2000" dirty="0" smtClean="0"/>
-              <a:t>可表示</a:t>
-            </a:r>
-            <a:r>
               <a:rPr lang="zh-TW" altLang="en-US" sz="2000" dirty="0"/>
-              <a:t>一個</a:t>
-            </a:r>
-            <a:r>
-              <a:rPr lang="zh-TW" altLang="en-US" sz="2000" dirty="0" smtClean="0"/>
-              <a:t> </a:t>
+              <a:t>可表示一個 </a:t>
             </a:r>
             <a:r>
               <a:rPr lang="en-US" altLang="zh-TW" sz="2000" dirty="0"/>
@@ -3919,27 +3852,23 @@
             </a:r>
             <a:r>
               <a:rPr lang="zh-TW" altLang="en-US" sz="2000" dirty="0"/>
-              <a:t>的</a:t>
-            </a:r>
-            <a:r>
-              <a:rPr lang="zh-TW" altLang="en-US" sz="2000" dirty="0" smtClean="0"/>
-              <a:t>數字</a:t>
-            </a:r>
-            <a:endParaRPr lang="en-US" altLang="zh-TW" sz="2000" dirty="0" smtClean="0"/>
+              <a:t>的數字</a:t>
+            </a:r>
+            <a:endParaRPr lang="en-US" altLang="zh-TW" sz="2000" dirty="0"/>
           </a:p>
           <a:p>
             <a:pPr marL="457200" indent="-457200">
               <a:buFont typeface="+mj-lt"/>
               <a:buAutoNum type="arabicPeriod"/>
             </a:pPr>
-            <a:endParaRPr lang="en-US" altLang="zh-TW" sz="2400" dirty="0" smtClean="0"/>
+            <a:endParaRPr lang="en-US" altLang="zh-TW" sz="2400" dirty="0"/>
           </a:p>
           <a:p>
             <a:pPr marL="457200" indent="-457200">
               <a:buFont typeface="+mj-lt"/>
               <a:buAutoNum type="arabicPeriod"/>
             </a:pPr>
-            <a:endParaRPr lang="en-US" altLang="zh-TW" sz="2400" dirty="0" smtClean="0"/>
+            <a:endParaRPr lang="en-US" altLang="zh-TW" sz="2400" dirty="0"/>
           </a:p>
         </p:txBody>
       </p:sp>
@@ -3953,13 +3882,6 @@
   <p:clrMapOvr>
     <a:masterClrMapping/>
   </p:clrMapOvr>
-  <p:timing>
-    <p:tnLst>
-      <p:par>
-        <p:cTn id="1" dur="indefinite" restart="never" nodeType="tmRoot"/>
-      </p:par>
-    </p:tnLst>
-  </p:timing>
 </p:sld>
 </file>
 
@@ -4031,15 +3953,15 @@
                   <a:buAutoNum type="arabicPeriod"/>
                 </a:pPr>
                 <a:r>
-                  <a:rPr lang="en-US" altLang="zh-TW" sz="2400" dirty="0" smtClean="0"/>
+                  <a:rPr lang="en-US" altLang="zh-TW" sz="2400" dirty="0"/>
                   <a:t>1Byte</a:t>
                 </a:r>
                 <a:r>
-                  <a:rPr lang="zh-TW" altLang="en-US" sz="2400" dirty="0" smtClean="0"/>
+                  <a:rPr lang="zh-TW" altLang="en-US" sz="2400" dirty="0"/>
                   <a:t> </a:t>
                 </a:r>
                 <a:r>
-                  <a:rPr lang="en-US" altLang="zh-TW" sz="2400" dirty="0" smtClean="0"/>
+                  <a:rPr lang="en-US" altLang="zh-TW" sz="2400" dirty="0"/>
                   <a:t>= 8 Bit</a:t>
                 </a:r>
               </a:p>
@@ -4056,7 +3978,7 @@
                   <a:buAutoNum type="arabicPeriod"/>
                 </a:pPr>
                 <a:r>
-                  <a:rPr lang="en-US" altLang="zh-TW" sz="2400" dirty="0" smtClean="0"/>
+                  <a:rPr lang="en-US" altLang="zh-TW" sz="2400" dirty="0"/>
                   <a:t>1KB = 1024 Byte  = </a:t>
                 </a:r>
                 <a14:m>
@@ -4092,14 +4014,13 @@
                   <a:rPr lang="en-US" altLang="zh-TW" sz="2400" dirty="0"/>
                   <a:t> Byte</a:t>
                 </a:r>
-                <a:endParaRPr lang="en-US" altLang="zh-TW" sz="2400" dirty="0" smtClean="0"/>
               </a:p>
               <a:p>
                 <a:pPr marL="457200" indent="-457200">
                   <a:buFont typeface="+mj-lt"/>
                   <a:buAutoNum type="arabicPeriod"/>
                 </a:pPr>
-                <a:endParaRPr lang="en-US" altLang="zh-TW" sz="2400" dirty="0" smtClean="0"/>
+                <a:endParaRPr lang="en-US" altLang="zh-TW" sz="2400" dirty="0"/>
               </a:p>
               <a:p>
                 <a:pPr marL="457200" indent="-457200">
@@ -4107,24 +4028,8 @@
                   <a:buAutoNum type="arabicPeriod"/>
                 </a:pPr>
                 <a:r>
-                  <a:rPr lang="en-US" altLang="zh-TW" sz="2400" dirty="0" smtClean="0"/>
-                  <a:t>1MB </a:t>
-                </a:r>
-                <a:r>
                   <a:rPr lang="en-US" altLang="zh-TW" sz="2400" dirty="0"/>
-                  <a:t>= 1024 </a:t>
-                </a:r>
-                <a:r>
-                  <a:rPr lang="en-US" altLang="zh-TW" sz="2400" dirty="0" smtClean="0"/>
-                  <a:t>KB</a:t>
-                </a:r>
-                <a:r>
-                  <a:rPr lang="en-US" altLang="zh-TW" sz="2400" dirty="0"/>
-                  <a:t> </a:t>
-                </a:r>
-                <a:r>
-                  <a:rPr lang="en-US" altLang="zh-TW" sz="2400" dirty="0" smtClean="0"/>
-                  <a:t> = </a:t>
+                  <a:t>1MB = 1024 KB  = </a:t>
                 </a:r>
                 <a14:m>
                   <m:oMath xmlns:m="http://schemas.openxmlformats.org/officeDocument/2006/math">
@@ -4159,7 +4064,6 @@
                   <a:rPr lang="en-US" altLang="zh-TW" sz="2400" dirty="0"/>
                   <a:t> Byte</a:t>
                 </a:r>
-                <a:endParaRPr lang="en-US" altLang="zh-TW" sz="2400" dirty="0" smtClean="0"/>
               </a:p>
               <a:p>
                 <a:pPr marL="457200" indent="-457200">
@@ -4174,24 +4078,8 @@
                   <a:buAutoNum type="arabicPeriod"/>
                 </a:pPr>
                 <a:r>
-                  <a:rPr lang="en-US" altLang="zh-TW" sz="2400" dirty="0" smtClean="0"/>
-                  <a:t>1GB </a:t>
-                </a:r>
-                <a:r>
                   <a:rPr lang="en-US" altLang="zh-TW" sz="2400" dirty="0"/>
-                  <a:t>= 1024 M</a:t>
-                </a:r>
-                <a:r>
-                  <a:rPr lang="en-US" altLang="zh-TW" sz="2400" dirty="0" smtClean="0"/>
-                  <a:t>B</a:t>
-                </a:r>
-                <a:r>
-                  <a:rPr lang="en-US" altLang="zh-TW" sz="2400" dirty="0"/>
-                  <a:t> </a:t>
-                </a:r>
-                <a:r>
-                  <a:rPr lang="en-US" altLang="zh-TW" sz="2400" dirty="0" smtClean="0"/>
-                  <a:t> = </a:t>
+                  <a:t>1GB = 1024 MB  = </a:t>
                 </a:r>
                 <a14:m>
                   <m:oMath xmlns:m="http://schemas.openxmlformats.org/officeDocument/2006/math">
@@ -4240,20 +4128,8 @@
                   <a:buAutoNum type="arabicPeriod"/>
                 </a:pPr>
                 <a:r>
-                  <a:rPr lang="en-US" altLang="zh-TW" sz="2400" dirty="0" smtClean="0"/>
-                  <a:t>1TB </a:t>
-                </a:r>
-                <a:r>
                   <a:rPr lang="en-US" altLang="zh-TW" sz="2400" dirty="0"/>
-                  <a:t>= 1024 </a:t>
-                </a:r>
-                <a:r>
-                  <a:rPr lang="en-US" altLang="zh-TW" sz="2400" dirty="0" smtClean="0"/>
-                  <a:t>GB  </a:t>
-                </a:r>
-                <a:r>
-                  <a:rPr lang="en-US" altLang="zh-TW" sz="2400" dirty="0"/>
-                  <a:t>= </a:t>
+                  <a:t>1TB = 1024 GB  = </a:t>
                 </a:r>
                 <a14:m>
                   <m:oMath xmlns:m="http://schemas.openxmlformats.org/officeDocument/2006/math">
@@ -4340,13 +4216,6 @@
   <p:clrMapOvr>
     <a:masterClrMapping/>
   </p:clrMapOvr>
-  <p:timing>
-    <p:tnLst>
-      <p:par>
-        <p:cTn id="1" dur="indefinite" restart="never" nodeType="tmRoot"/>
-      </p:par>
-    </p:tnLst>
-  </p:timing>
 </p:sld>
 </file>
 
@@ -4388,10 +4257,9 @@
           <a:lstStyle/>
           <a:p>
             <a:r>
-              <a:rPr lang="zh-TW" altLang="en-US" dirty="0" smtClean="0"/>
+              <a:rPr lang="zh-TW" altLang="en-US" dirty="0"/>
               <a:t>數位資料與文字資料</a:t>
             </a:r>
-            <a:endParaRPr lang="zh-TW" altLang="en-US" dirty="0"/>
           </a:p>
         </p:txBody>
       </p:sp>
@@ -4465,7 +4333,7 @@
           <a:lstStyle/>
           <a:p>
             <a:r>
-              <a:rPr lang="en-US" altLang="zh-TW" dirty="0" smtClean="0"/>
+              <a:rPr lang="en-US" altLang="zh-TW" dirty="0"/>
               <a:t>byte and char</a:t>
             </a:r>
             <a:endParaRPr lang="zh-TW" altLang="en-US" dirty="0"/>
@@ -4488,86 +4356,82 @@
           <a:lstStyle/>
           <a:p>
             <a:r>
-              <a:rPr lang="en-US" altLang="zh-TW" dirty="0" smtClean="0"/>
-              <a:t>byte(8 byte) :</a:t>
+              <a:rPr lang="en-US" altLang="zh-TW" dirty="0"/>
+              <a:t>byte(8 bits) :</a:t>
             </a:r>
           </a:p>
           <a:p>
             <a:pPr lvl="1"/>
             <a:r>
               <a:rPr lang="zh-TW" altLang="en-US" dirty="0"/>
-              <a:t>電腦處理</a:t>
-            </a:r>
-            <a:r>
-              <a:rPr lang="zh-TW" altLang="en-US" dirty="0" smtClean="0"/>
-              <a:t>單元</a:t>
+              <a:t>電腦處理單元</a:t>
             </a:r>
             <a:endParaRPr lang="en-US" altLang="zh-TW" dirty="0"/>
           </a:p>
           <a:p>
             <a:pPr lvl="1"/>
             <a:r>
-              <a:rPr lang="en-US" altLang="zh-TW" dirty="0" smtClean="0"/>
+              <a:rPr lang="en-US" altLang="zh-TW" dirty="0"/>
               <a:t> 0--255 </a:t>
             </a:r>
             <a:r>
-              <a:rPr lang="zh-TW" altLang="en-US" dirty="0" smtClean="0"/>
+              <a:rPr lang="zh-TW" altLang="en-US" dirty="0"/>
               <a:t>數值</a:t>
             </a:r>
-            <a:endParaRPr lang="en-US" altLang="zh-TW" dirty="0" smtClean="0"/>
-          </a:p>
-          <a:p>
             <a:endParaRPr lang="en-US" altLang="zh-TW" dirty="0"/>
           </a:p>
           <a:p>
-            <a:r>
-              <a:rPr lang="en-US" altLang="zh-TW" dirty="0" smtClean="0"/>
-              <a:t>char(8byte) </a:t>
-            </a:r>
+            <a:endParaRPr lang="en-US" altLang="zh-TW" dirty="0"/>
+          </a:p>
+          <a:p>
+            <a:r>
+              <a:rPr lang="en-US" altLang="zh-TW" dirty="0"/>
+              <a:t>char</a:t>
+            </a:r>
+            <a:r>
+              <a:rPr lang="en-US" altLang="zh-TW"/>
+              <a:t>(8bits) </a:t>
+            </a:r>
+            <a:endParaRPr lang="en-US" altLang="zh-TW" dirty="0"/>
           </a:p>
           <a:p>
             <a:pPr lvl="1"/>
             <a:r>
-              <a:rPr lang="en-US" altLang="zh-TW" dirty="0" smtClean="0"/>
+              <a:rPr lang="en-US" altLang="zh-TW" dirty="0"/>
               <a:t>C</a:t>
             </a:r>
             <a:r>
-              <a:rPr lang="zh-TW" altLang="en-US" dirty="0" smtClean="0"/>
+              <a:rPr lang="zh-TW" altLang="en-US" dirty="0"/>
               <a:t> 語言字元資料型態</a:t>
             </a:r>
-            <a:endParaRPr lang="en-US" altLang="zh-TW" dirty="0" smtClean="0"/>
+            <a:endParaRPr lang="en-US" altLang="zh-TW" dirty="0"/>
           </a:p>
           <a:p>
             <a:pPr lvl="1"/>
             <a:r>
-              <a:rPr lang="en-US" altLang="zh-TW" dirty="0" smtClean="0"/>
+              <a:rPr lang="en-US" altLang="zh-TW" dirty="0"/>
               <a:t>0--255 </a:t>
             </a:r>
             <a:r>
-              <a:rPr lang="zh-TW" altLang="en-US" dirty="0" smtClean="0"/>
+              <a:rPr lang="zh-TW" altLang="en-US" dirty="0"/>
               <a:t>數值</a:t>
             </a:r>
-            <a:endParaRPr lang="en-US" altLang="zh-TW" dirty="0" smtClean="0"/>
+            <a:endParaRPr lang="en-US" altLang="zh-TW" dirty="0"/>
           </a:p>
           <a:p>
             <a:pPr lvl="1"/>
             <a:r>
               <a:rPr lang="zh-TW" altLang="en-US" dirty="0"/>
-              <a:t>對應到</a:t>
-            </a:r>
-            <a:r>
-              <a:rPr lang="zh-TW" altLang="en-US" dirty="0" smtClean="0"/>
-              <a:t>一個 </a:t>
-            </a:r>
-            <a:r>
-              <a:rPr lang="en-US" altLang="zh-TW" dirty="0" smtClean="0"/>
+              <a:t>對應到一個 </a:t>
+            </a:r>
+            <a:r>
+              <a:rPr lang="en-US" altLang="zh-TW" dirty="0"/>
               <a:t>ASCII</a:t>
             </a:r>
             <a:r>
-              <a:rPr lang="zh-TW" altLang="en-US" dirty="0" smtClean="0"/>
+              <a:rPr lang="zh-TW" altLang="en-US" dirty="0"/>
               <a:t> 字元</a:t>
             </a:r>
-            <a:endParaRPr lang="zh-TW" altLang="en-US" dirty="0"/>
           </a:p>
         </p:txBody>
       </p:sp>
@@ -4619,22 +4483,21 @@
           <a:lstStyle/>
           <a:p>
             <a:r>
-              <a:rPr lang="en-US" altLang="zh-TW" dirty="0" smtClean="0"/>
+              <a:rPr lang="en-US" altLang="zh-TW" dirty="0"/>
               <a:t>ASCII</a:t>
             </a:r>
             <a:r>
-              <a:rPr lang="zh-TW" altLang="en-US" dirty="0" smtClean="0"/>
+              <a:rPr lang="zh-TW" altLang="en-US" dirty="0"/>
               <a:t> </a:t>
             </a:r>
             <a:r>
-              <a:rPr lang="en-US" altLang="zh-TW" dirty="0" smtClean="0"/>
+              <a:rPr lang="en-US" altLang="zh-TW" dirty="0"/>
               <a:t>code : byte </a:t>
             </a:r>
             <a:r>
-              <a:rPr lang="zh-TW" altLang="en-US" dirty="0" smtClean="0"/>
+              <a:rPr lang="zh-TW" altLang="en-US" dirty="0"/>
               <a:t>跟字元符號的對應</a:t>
             </a:r>
-            <a:endParaRPr lang="zh-TW" altLang="en-US" dirty="0"/>
           </a:p>
         </p:txBody>
       </p:sp>
@@ -4656,46 +4519,41 @@
           <a:lstStyle/>
           <a:p>
             <a:r>
-              <a:rPr lang="en-US" altLang="zh-TW" dirty="0" smtClean="0"/>
+              <a:rPr lang="en-US" altLang="zh-TW" dirty="0"/>
               <a:t>ASCII</a:t>
             </a:r>
             <a:r>
-              <a:rPr lang="zh-TW" altLang="en-US" dirty="0" smtClean="0"/>
+              <a:rPr lang="zh-TW" altLang="en-US" dirty="0"/>
               <a:t> 碼 </a:t>
             </a:r>
             <a:r>
-              <a:rPr lang="en-US" altLang="zh-TW" dirty="0" smtClean="0"/>
-              <a:t>wiki : https</a:t>
-            </a:r>
-            <a:r>
               <a:rPr lang="en-US" altLang="zh-TW" dirty="0"/>
-              <a:t>://zh.wikipedia.org/wiki/ASCII</a:t>
-            </a:r>
-            <a:endParaRPr lang="en-US" altLang="zh-TW" dirty="0" smtClean="0"/>
-          </a:p>
-          <a:p>
-            <a:r>
-              <a:rPr lang="zh-TW" altLang="en-US" dirty="0" smtClean="0"/>
+              <a:t>wiki : https://zh.wikipedia.org/wiki/ASCII</a:t>
+            </a:r>
+          </a:p>
+          <a:p>
+            <a:r>
+              <a:rPr lang="zh-TW" altLang="en-US" dirty="0"/>
               <a:t>定義了 </a:t>
             </a:r>
             <a:r>
-              <a:rPr lang="en-US" altLang="zh-TW" dirty="0" smtClean="0"/>
+              <a:rPr lang="en-US" altLang="zh-TW" dirty="0"/>
               <a:t>128 </a:t>
             </a:r>
             <a:r>
-              <a:rPr lang="zh-TW" altLang="en-US" dirty="0" smtClean="0"/>
+              <a:rPr lang="zh-TW" altLang="en-US" dirty="0"/>
               <a:t>個碼</a:t>
             </a:r>
-            <a:endParaRPr lang="en-US" altLang="zh-TW" dirty="0" smtClean="0"/>
+            <a:endParaRPr lang="en-US" altLang="zh-TW" dirty="0"/>
           </a:p>
           <a:p>
             <a:pPr lvl="1"/>
             <a:r>
-              <a:rPr lang="zh-TW" altLang="en-US" dirty="0" smtClean="0"/>
+              <a:rPr lang="zh-TW" altLang="en-US" dirty="0"/>
               <a:t>大小寫英文字、數字、常見符號</a:t>
             </a:r>
             <a:r>
-              <a:rPr lang="en-US" altLang="zh-TW" dirty="0" smtClean="0"/>
+              <a:rPr lang="en-US" altLang="zh-TW" dirty="0"/>
               <a:t>(+-*/%...)</a:t>
             </a:r>
           </a:p>
@@ -4703,67 +4561,59 @@
             <a:pPr lvl="1"/>
             <a:r>
               <a:rPr lang="zh-TW" altLang="en-US" dirty="0"/>
-              <a:t>文字</a:t>
-            </a:r>
-            <a:r>
-              <a:rPr lang="zh-TW" altLang="en-US" dirty="0" smtClean="0"/>
-              <a:t>編排控制碼 ，如</a:t>
-            </a:r>
-            <a:endParaRPr lang="en-US" altLang="zh-TW" dirty="0" smtClean="0"/>
+              <a:t>文字編排控制碼 ，如</a:t>
+            </a:r>
+            <a:endParaRPr lang="en-US" altLang="zh-TW" dirty="0"/>
           </a:p>
           <a:p>
             <a:pPr lvl="1"/>
             <a:r>
               <a:rPr lang="en-US" altLang="zh-TW" dirty="0"/>
-              <a:t>New </a:t>
-            </a:r>
-            <a:r>
-              <a:rPr lang="en-US" altLang="zh-TW" dirty="0" smtClean="0"/>
-              <a:t>Line</a:t>
-            </a:r>
-            <a:r>
-              <a:rPr lang="zh-TW" altLang="en-US" dirty="0" smtClean="0"/>
+              <a:t>New Line</a:t>
+            </a:r>
+            <a:r>
+              <a:rPr lang="zh-TW" altLang="en-US" dirty="0"/>
               <a:t> </a:t>
             </a:r>
             <a:r>
-              <a:rPr lang="en-US" altLang="zh-TW" dirty="0" smtClean="0"/>
+              <a:rPr lang="en-US" altLang="zh-TW" dirty="0"/>
               <a:t>(LF)</a:t>
             </a:r>
             <a:r>
-              <a:rPr lang="zh-TW" altLang="en-US" dirty="0" smtClean="0"/>
-              <a:t>，</a:t>
-            </a:r>
-            <a:r>
               <a:rPr lang="zh-TW" altLang="en-US" dirty="0"/>
-              <a:t>換行</a:t>
-            </a:r>
-            <a:r>
-              <a:rPr lang="zh-TW" altLang="en-US" dirty="0" smtClean="0"/>
-              <a:t>符號</a:t>
+              <a:t>，換行符號</a:t>
             </a:r>
             <a:r>
               <a:rPr lang="en-US" altLang="zh-TW" dirty="0"/>
+              <a:t> ASCII 10</a:t>
+            </a:r>
+            <a:r>
+              <a:rPr lang="zh-TW" altLang="en-US" dirty="0"/>
               <a:t> </a:t>
             </a:r>
-            <a:r>
-              <a:rPr lang="en-US" altLang="zh-TW" dirty="0" smtClean="0"/>
-              <a:t>ASCII 10</a:t>
-            </a:r>
-            <a:r>
-              <a:rPr lang="zh-TW" altLang="en-US" dirty="0" smtClean="0"/>
-              <a:t> </a:t>
-            </a:r>
-            <a:endParaRPr lang="en-US" altLang="zh-TW" dirty="0" smtClean="0"/>
+            <a:endParaRPr lang="en-US" altLang="zh-TW" dirty="0"/>
           </a:p>
           <a:p>
             <a:pPr lvl="1"/>
             <a:r>
-              <a:rPr lang="en-US" altLang="zh-TW" dirty="0" smtClean="0"/>
+              <a:rPr lang="en-US" altLang="zh-TW" dirty="0"/>
               <a:t>Carriage Return(CR)</a:t>
             </a:r>
             <a:r>
-              <a:rPr lang="zh-TW" altLang="en-US" dirty="0" smtClean="0"/>
-              <a:t> 回歸</a:t>
+              <a:rPr lang="zh-TW" altLang="en-US" dirty="0"/>
+              <a:t> 回歸鍵</a:t>
+            </a:r>
+            <a:r>
+              <a:rPr lang="en-US" altLang="zh-TW" dirty="0"/>
+              <a:t>(</a:t>
+            </a:r>
+            <a:r>
+              <a:rPr lang="zh-TW" altLang="en-US" dirty="0"/>
+              <a:t>即 </a:t>
+            </a:r>
+            <a:r>
+              <a:rPr lang="en-US" altLang="zh-TW" dirty="0"/>
+              <a:t>Enter </a:t>
             </a:r>
             <a:r>
               <a:rPr lang="zh-TW" altLang="en-US" dirty="0"/>
@@ -4771,22 +4621,6 @@
             </a:r>
             <a:r>
               <a:rPr lang="en-US" altLang="zh-TW" dirty="0"/>
-              <a:t>(</a:t>
-            </a:r>
-            <a:r>
-              <a:rPr lang="zh-TW" altLang="en-US" dirty="0"/>
-              <a:t>即 </a:t>
-            </a:r>
-            <a:r>
-              <a:rPr lang="en-US" altLang="zh-TW" dirty="0"/>
-              <a:t>Enter </a:t>
-            </a:r>
-            <a:r>
-              <a:rPr lang="zh-TW" altLang="en-US" dirty="0"/>
-              <a:t>鍵</a:t>
-            </a:r>
-            <a:r>
-              <a:rPr lang="en-US" altLang="zh-TW" dirty="0" smtClean="0"/>
               <a:t>)</a:t>
             </a:r>
             <a:r>
@@ -4795,21 +4629,13 @@
             </a:r>
             <a:r>
               <a:rPr lang="en-US" altLang="zh-TW" dirty="0"/>
-              <a:t>ASCII </a:t>
-            </a:r>
-            <a:r>
-              <a:rPr lang="en-US" altLang="zh-TW" dirty="0" smtClean="0"/>
-              <a:t>13</a:t>
-            </a:r>
-          </a:p>
-          <a:p>
-            <a:r>
-              <a:rPr lang="zh-TW" altLang="en-US" dirty="0" smtClean="0"/>
-              <a:t>範例</a:t>
-            </a:r>
+              <a:t>ASCII 13</a:t>
+            </a:r>
+          </a:p>
+          <a:p>
             <a:r>
               <a:rPr lang="zh-TW" altLang="en-US" dirty="0"/>
-              <a:t>程式</a:t>
+              <a:t>範例程式</a:t>
             </a:r>
             <a:r>
               <a:rPr lang="en-US" altLang="zh-TW" dirty="0"/>
@@ -4824,63 +4650,59 @@
             </a:r>
           </a:p>
           <a:p>
-            <a:endParaRPr lang="en-US" altLang="zh-TW" dirty="0" smtClean="0"/>
-          </a:p>
-          <a:p>
-            <a:r>
-              <a:rPr lang="en-US" altLang="zh-TW" dirty="0" smtClean="0"/>
+            <a:endParaRPr lang="en-US" altLang="zh-TW" dirty="0"/>
+          </a:p>
+          <a:p>
+            <a:r>
+              <a:rPr lang="en-US" altLang="zh-TW" dirty="0"/>
               <a:t>Question:</a:t>
             </a:r>
           </a:p>
           <a:p>
             <a:pPr lvl="1"/>
             <a:r>
-              <a:rPr lang="zh-TW" altLang="en-US" dirty="0" smtClean="0"/>
+              <a:rPr lang="zh-TW" altLang="en-US" dirty="0"/>
               <a:t>其他文字如何編碼</a:t>
             </a:r>
             <a:r>
-              <a:rPr lang="en-US" altLang="zh-TW" dirty="0" smtClean="0"/>
+              <a:rPr lang="en-US" altLang="zh-TW" dirty="0"/>
               <a:t>(</a:t>
             </a:r>
             <a:r>
-              <a:rPr lang="zh-TW" altLang="en-US" dirty="0" smtClean="0"/>
+              <a:rPr lang="zh-TW" altLang="en-US" dirty="0"/>
               <a:t>如中文、日文</a:t>
             </a:r>
             <a:r>
-              <a:rPr lang="en-US" altLang="zh-TW" dirty="0" smtClean="0"/>
+              <a:rPr lang="en-US" altLang="zh-TW" dirty="0"/>
               <a:t>…)</a:t>
             </a:r>
             <a:r>
-              <a:rPr lang="zh-TW" altLang="en-US" dirty="0" smtClean="0"/>
+              <a:rPr lang="zh-TW" altLang="en-US" dirty="0"/>
               <a:t>轉成數位檔</a:t>
             </a:r>
-            <a:endParaRPr lang="en-US" altLang="zh-TW" dirty="0" smtClean="0"/>
+            <a:endParaRPr lang="en-US" altLang="zh-TW" dirty="0"/>
           </a:p>
           <a:p>
             <a:pPr lvl="1"/>
             <a:r>
               <a:rPr lang="zh-TW" altLang="en-US" dirty="0"/>
-              <a:t>有何</a:t>
-            </a:r>
-            <a:r>
-              <a:rPr lang="zh-TW" altLang="en-US" dirty="0" smtClean="0"/>
-              <a:t>工具可很方便地檢視數位檔每個 </a:t>
-            </a:r>
-            <a:r>
-              <a:rPr lang="en-US" altLang="zh-TW" dirty="0" smtClean="0"/>
+              <a:t>有何工具可很方便地檢視數位檔每個 </a:t>
+            </a:r>
+            <a:r>
+              <a:rPr lang="en-US" altLang="zh-TW" dirty="0"/>
               <a:t>byte </a:t>
             </a:r>
             <a:r>
-              <a:rPr lang="zh-TW" altLang="en-US" dirty="0" smtClean="0"/>
+              <a:rPr lang="zh-TW" altLang="en-US" dirty="0"/>
               <a:t>的資料</a:t>
             </a:r>
-            <a:endParaRPr lang="en-US" altLang="zh-TW" dirty="0" smtClean="0"/>
-          </a:p>
-          <a:p>
             <a:endParaRPr lang="en-US" altLang="zh-TW" dirty="0"/>
           </a:p>
           <a:p>
-            <a:endParaRPr lang="en-US" altLang="zh-TW" dirty="0" smtClean="0"/>
+            <a:endParaRPr lang="en-US" altLang="zh-TW" dirty="0"/>
+          </a:p>
+          <a:p>
+            <a:endParaRPr lang="en-US" altLang="zh-TW" dirty="0"/>
           </a:p>
           <a:p>
             <a:endParaRPr lang="en-US" altLang="zh-TW" dirty="0"/>
@@ -4933,15 +4755,15 @@
           <a:lstStyle/>
           <a:p>
             <a:r>
-              <a:rPr lang="en-US" altLang="zh-TW" dirty="0" err="1" smtClean="0"/>
+              <a:rPr lang="en-US" altLang="zh-TW" dirty="0" err="1"/>
               <a:t>printf</a:t>
             </a:r>
             <a:r>
-              <a:rPr lang="en-US" altLang="zh-TW" dirty="0" smtClean="0"/>
+              <a:rPr lang="en-US" altLang="zh-TW" dirty="0"/>
               <a:t> and </a:t>
             </a:r>
             <a:r>
-              <a:rPr lang="en-US" altLang="zh-TW" dirty="0" err="1" smtClean="0"/>
+              <a:rPr lang="en-US" altLang="zh-TW" dirty="0" err="1"/>
               <a:t>scanf</a:t>
             </a:r>
             <a:endParaRPr lang="zh-TW" altLang="en-US" dirty="0"/>
@@ -4964,16 +4786,12 @@
           <a:lstStyle/>
           <a:p>
             <a:r>
-              <a:rPr lang="en-US" altLang="zh-TW" dirty="0" smtClean="0"/>
+              <a:rPr lang="en-US" altLang="zh-TW" dirty="0"/>
               <a:t>console </a:t>
             </a:r>
             <a:r>
-              <a:rPr lang="zh-TW" altLang="en-US" dirty="0" smtClean="0"/>
-              <a:t>介面</a:t>
-            </a:r>
-            <a:r>
               <a:rPr lang="zh-TW" altLang="en-US" dirty="0"/>
-              <a:t>輸入及輸出文字資料</a:t>
+              <a:t>介面輸入及輸出文字資料</a:t>
             </a:r>
           </a:p>
           <a:p>
@@ -4985,70 +4803,62 @@
           </a:p>
           <a:p>
             <a:r>
-              <a:rPr lang="en-US" altLang="zh-TW" dirty="0" err="1" smtClean="0"/>
+              <a:rPr lang="en-US" altLang="zh-TW" dirty="0" err="1"/>
               <a:t>printf</a:t>
             </a:r>
             <a:r>
-              <a:rPr lang="en-US" altLang="zh-TW" dirty="0" smtClean="0"/>
+              <a:rPr lang="en-US" altLang="zh-TW" dirty="0"/>
               <a:t>(): </a:t>
             </a:r>
             <a:r>
-              <a:rPr lang="zh-TW" altLang="en-US" dirty="0" smtClean="0"/>
+              <a:rPr lang="zh-TW" altLang="en-US" dirty="0"/>
               <a:t>資料輸出到 </a:t>
             </a:r>
             <a:r>
-              <a:rPr lang="en-US" altLang="zh-TW" dirty="0" smtClean="0"/>
+              <a:rPr lang="en-US" altLang="zh-TW" dirty="0"/>
               <a:t>console </a:t>
             </a:r>
           </a:p>
           <a:p>
             <a:r>
-              <a:rPr lang="en-US" altLang="zh-TW" smtClean="0"/>
+              <a:rPr lang="en-US" altLang="zh-TW"/>
               <a:t>scanf: </a:t>
             </a:r>
             <a:r>
-              <a:rPr lang="zh-TW" altLang="en-US" dirty="0" smtClean="0"/>
+              <a:rPr lang="zh-TW" altLang="en-US" dirty="0"/>
               <a:t>從 </a:t>
             </a:r>
             <a:r>
-              <a:rPr lang="en-US" altLang="zh-TW" dirty="0" smtClean="0"/>
+              <a:rPr lang="en-US" altLang="zh-TW" dirty="0"/>
               <a:t>console </a:t>
             </a:r>
             <a:r>
-              <a:rPr lang="zh-TW" altLang="en-US" dirty="0" smtClean="0"/>
+              <a:rPr lang="zh-TW" altLang="en-US" dirty="0"/>
               <a:t>輸入資料</a:t>
             </a:r>
             <a:r>
-              <a:rPr lang="en-US" altLang="zh-TW" dirty="0" smtClean="0"/>
+              <a:rPr lang="en-US" altLang="zh-TW" dirty="0"/>
               <a:t> </a:t>
             </a:r>
           </a:p>
           <a:p>
-            <a:endParaRPr lang="en-US" altLang="zh-TW" dirty="0" smtClean="0"/>
-          </a:p>
-          <a:p>
-            <a:r>
-              <a:rPr lang="zh-TW" altLang="en-US" dirty="0" smtClean="0"/>
+            <a:endParaRPr lang="en-US" altLang="zh-TW" dirty="0"/>
+          </a:p>
+          <a:p>
+            <a:r>
+              <a:rPr lang="zh-TW" altLang="en-US" dirty="0"/>
               <a:t>參考</a:t>
             </a:r>
             <a:r>
-              <a:rPr lang="en-US" altLang="zh-TW" dirty="0" smtClean="0"/>
+              <a:rPr lang="en-US" altLang="zh-TW" dirty="0"/>
               <a:t>:</a:t>
             </a:r>
           </a:p>
           <a:p>
             <a:pPr lvl="1"/>
             <a:r>
-              <a:rPr lang="en-US" altLang="zh-TW" dirty="0" smtClean="0"/>
-              <a:t>https</a:t>
-            </a:r>
-            <a:r>
               <a:rPr lang="en-US" altLang="zh-TW" dirty="0"/>
-              <a:t>://</a:t>
-            </a:r>
-            <a:r>
-              <a:rPr lang="en-US" altLang="zh-TW" dirty="0" smtClean="0"/>
-              <a:t>openhome.cc/Gossip/CGossip/PrintfScanf.html</a:t>
+              <a:t>https://openhome.cc/Gossip/CGossip/PrintfScanf.html</a:t>
             </a:r>
           </a:p>
         </p:txBody>
@@ -5107,14 +4917,10 @@
           <a:p>
             <a:r>
               <a:rPr lang="zh-TW" altLang="en-US" dirty="0"/>
-              <a:t>數位</a:t>
-            </a:r>
-            <a:r>
-              <a:rPr lang="zh-TW" altLang="en-US" dirty="0" smtClean="0"/>
-              <a:t>資料及文字資料</a:t>
-            </a:r>
-            <a:r>
-              <a:rPr lang="en-US" altLang="zh-TW" dirty="0" smtClean="0"/>
+              <a:t>數位資料及文字資料</a:t>
+            </a:r>
+            <a:r>
+              <a:rPr lang="en-US" altLang="zh-TW" dirty="0"/>
               <a:t>(binary data and Texture data) </a:t>
             </a:r>
             <a:endParaRPr lang="zh-TW" altLang="en-US" dirty="0"/>
@@ -5137,58 +4943,42 @@
           <a:lstStyle/>
           <a:p>
             <a:r>
-              <a:rPr lang="zh-TW" altLang="en-US" dirty="0" smtClean="0"/>
-              <a:t>電腦處裡的資料都是</a:t>
-            </a:r>
-            <a:r>
               <a:rPr lang="zh-TW" altLang="en-US" dirty="0"/>
-              <a:t>數位</a:t>
-            </a:r>
-            <a:r>
-              <a:rPr lang="zh-TW" altLang="en-US" dirty="0" smtClean="0"/>
-              <a:t>資料</a:t>
-            </a:r>
-            <a:r>
-              <a:rPr lang="en-US" altLang="zh-TW" dirty="0" smtClean="0"/>
+              <a:t>電腦處裡的資料都是數位資料</a:t>
+            </a:r>
+            <a:r>
+              <a:rPr lang="en-US" altLang="zh-TW" dirty="0"/>
               <a:t>:</a:t>
             </a:r>
             <a:r>
-              <a:rPr lang="zh-TW" altLang="en-US" dirty="0" smtClean="0"/>
+              <a:rPr lang="zh-TW" altLang="en-US" dirty="0"/>
               <a:t> 一個個 </a:t>
             </a:r>
             <a:r>
-              <a:rPr lang="en-US" altLang="zh-TW" dirty="0" smtClean="0"/>
+              <a:rPr lang="en-US" altLang="zh-TW" dirty="0"/>
               <a:t>bytes </a:t>
             </a:r>
             <a:r>
-              <a:rPr lang="zh-TW" altLang="en-US" dirty="0" smtClean="0"/>
+              <a:rPr lang="zh-TW" altLang="en-US" dirty="0"/>
               <a:t>組合而成的資料</a:t>
             </a:r>
-            <a:endParaRPr lang="en-US" altLang="zh-TW" dirty="0" smtClean="0"/>
-          </a:p>
-          <a:p>
-            <a:r>
-              <a:rPr lang="zh-TW" altLang="en-US" dirty="0" smtClean="0"/>
-              <a:t>人機介面上呈現及處理的</a:t>
-            </a:r>
+            <a:endParaRPr lang="en-US" altLang="zh-TW" dirty="0"/>
+          </a:p>
+          <a:p>
             <a:r>
               <a:rPr lang="zh-TW" altLang="en-US" dirty="0"/>
-              <a:t>通常是文字資料</a:t>
-            </a:r>
-            <a:r>
-              <a:rPr lang="en-US" altLang="zh-TW" dirty="0" smtClean="0"/>
-              <a:t>(Texture </a:t>
+              <a:t>人機介面上呈現及處理的通常是文字資料</a:t>
             </a:r>
             <a:r>
               <a:rPr lang="en-US" altLang="zh-TW" dirty="0"/>
-              <a:t>data) </a:t>
-            </a:r>
-            <a:r>
-              <a:rPr lang="zh-TW" altLang="en-US" dirty="0" smtClean="0"/>
+              <a:t>(Texture data) </a:t>
+            </a:r>
+            <a:r>
+              <a:rPr lang="zh-TW" altLang="en-US" dirty="0"/>
               <a:t> </a:t>
             </a:r>
             <a:r>
-              <a:rPr lang="en-US" altLang="zh-TW" dirty="0" smtClean="0"/>
+              <a:rPr lang="en-US" altLang="zh-TW" dirty="0"/>
               <a:t> </a:t>
             </a:r>
           </a:p>
@@ -5196,53 +4986,25 @@
             <a:pPr lvl="1"/>
             <a:r>
               <a:rPr lang="zh-TW" altLang="en-US" dirty="0"/>
-              <a:t>文字</a:t>
-            </a:r>
-            <a:r>
-              <a:rPr lang="zh-TW" altLang="en-US" dirty="0" smtClean="0"/>
-              <a:t>資料</a:t>
-            </a:r>
+              <a:t>文字資料可看成數位資料的子集</a:t>
+            </a:r>
+            <a:endParaRPr lang="en-US" altLang="zh-TW" dirty="0"/>
+          </a:p>
+          <a:p>
+            <a:pPr lvl="2"/>
             <a:r>
               <a:rPr lang="zh-TW" altLang="en-US" dirty="0"/>
-              <a:t>可看成數位</a:t>
-            </a:r>
-            <a:r>
-              <a:rPr lang="zh-TW" altLang="en-US" dirty="0" smtClean="0"/>
-              <a:t>資料的子集</a:t>
-            </a:r>
-            <a:endParaRPr lang="en-US" altLang="zh-TW" dirty="0" smtClean="0"/>
-          </a:p>
-          <a:p>
-            <a:pPr lvl="2"/>
+              <a:t>可在文字編輯器或編輯介面上處理呈現</a:t>
+            </a:r>
+            <a:endParaRPr lang="en-US" altLang="zh-TW" dirty="0"/>
+          </a:p>
+          <a:p>
             <a:r>
               <a:rPr lang="zh-TW" altLang="en-US" dirty="0"/>
-              <a:t>可在文字</a:t>
-            </a:r>
-            <a:r>
-              <a:rPr lang="zh-TW" altLang="en-US" dirty="0" smtClean="0"/>
-              <a:t>編輯器或編輯介面上處理呈現</a:t>
-            </a:r>
-            <a:endParaRPr lang="en-US" altLang="zh-TW" dirty="0" smtClean="0"/>
-          </a:p>
-          <a:p>
-            <a:r>
-              <a:rPr lang="zh-TW" altLang="en-US" dirty="0"/>
-              <a:t>數位</a:t>
-            </a:r>
-            <a:r>
-              <a:rPr lang="zh-TW" altLang="en-US" dirty="0" smtClean="0"/>
-              <a:t>資料不一定</a:t>
-            </a:r>
-            <a:r>
-              <a:rPr lang="zh-TW" altLang="en-US" dirty="0"/>
-              <a:t>可在文字</a:t>
-            </a:r>
-            <a:r>
-              <a:rPr lang="zh-TW" altLang="en-US" dirty="0" smtClean="0"/>
-              <a:t>編輯器介面上呈現</a:t>
-            </a:r>
-            <a:r>
-              <a:rPr lang="en-US" altLang="zh-TW" dirty="0" smtClean="0"/>
+              <a:t>數位資料不一定可在文字編輯器介面上呈現</a:t>
+            </a:r>
+            <a:r>
+              <a:rPr lang="en-US" altLang="zh-TW" dirty="0"/>
               <a:t> </a:t>
             </a:r>
             <a:endParaRPr lang="zh-TW" altLang="en-US" dirty="0"/>
@@ -5303,23 +5065,19 @@
           <a:p>
             <a:pPr algn="ctr"/>
             <a:r>
-              <a:rPr lang="en-US" altLang="zh-TW" sz="3600" smtClean="0">
+              <a:rPr lang="en-US" altLang="zh-TW" sz="3600">
                 <a:latin typeface="+mn-ea"/>
                 <a:ea typeface="+mn-ea"/>
               </a:rPr>
               <a:t>EKG</a:t>
             </a:r>
             <a:r>
-              <a:rPr lang="zh-TW" altLang="en-US" sz="3600" smtClean="0">
+              <a:rPr lang="zh-TW" altLang="en-US" sz="3600">
                 <a:latin typeface="+mn-ea"/>
                 <a:ea typeface="+mn-ea"/>
               </a:rPr>
               <a:t> 檔案內容範例</a:t>
             </a:r>
-            <a:endParaRPr lang="zh-TW" altLang="en-US" sz="3600">
-              <a:latin typeface="+mn-ea"/>
-              <a:ea typeface="+mn-ea"/>
-            </a:endParaRPr>
           </a:p>
         </p:txBody>
       </p:sp>
@@ -5389,18 +5147,13 @@
           <a:lstStyle/>
           <a:p>
             <a:r>
-              <a:rPr lang="zh-TW" altLang="en-US" b="1" smtClean="0">
+              <a:rPr lang="zh-TW" altLang="en-US" b="1">
                 <a:solidFill>
                   <a:srgbClr val="FF0000"/>
                 </a:solidFill>
               </a:rPr>
               <a:t>資料位置</a:t>
             </a:r>
-            <a:endParaRPr lang="zh-TW" altLang="en-US" b="1">
-              <a:solidFill>
-                <a:srgbClr val="FF0000"/>
-              </a:solidFill>
-            </a:endParaRPr>
           </a:p>
         </p:txBody>
       </p:sp>
@@ -5427,7 +5180,7 @@
           <a:lstStyle/>
           <a:p>
             <a:r>
-              <a:rPr lang="zh-TW" altLang="en-US" b="1" smtClean="0">
+              <a:rPr lang="zh-TW" altLang="en-US" b="1">
                 <a:solidFill>
                   <a:srgbClr val="FF0000"/>
                 </a:solidFill>
@@ -5435,7 +5188,7 @@
               <a:t>兩個 </a:t>
             </a:r>
             <a:r>
-              <a:rPr lang="en-US" altLang="zh-TW" b="1" smtClean="0">
+              <a:rPr lang="en-US" altLang="zh-TW" b="1">
                 <a:solidFill>
                   <a:srgbClr val="FF0000"/>
                 </a:solidFill>
@@ -5443,7 +5196,7 @@
               <a:t>16 </a:t>
             </a:r>
             <a:r>
-              <a:rPr lang="zh-TW" altLang="en-US" b="1" smtClean="0">
+              <a:rPr lang="zh-TW" altLang="en-US" b="1">
                 <a:solidFill>
                   <a:srgbClr val="FF0000"/>
                 </a:solidFill>
@@ -5451,7 +5204,7 @@
               <a:t>進制</a:t>
             </a:r>
             <a:r>
-              <a:rPr lang="en-US" altLang="zh-TW" b="1" smtClean="0">
+              <a:rPr lang="en-US" altLang="zh-TW" b="1">
                 <a:solidFill>
                   <a:srgbClr val="FF0000"/>
                 </a:solidFill>
@@ -5459,7 +5212,7 @@
               <a:t>( 4 bits)</a:t>
             </a:r>
             <a:r>
-              <a:rPr lang="zh-TW" altLang="en-US" b="1" smtClean="0">
+              <a:rPr lang="zh-TW" altLang="en-US" b="1">
                 <a:solidFill>
                   <a:srgbClr val="FF0000"/>
                 </a:solidFill>
@@ -5467,7 +5220,7 @@
               <a:t>表現一個 </a:t>
             </a:r>
             <a:r>
-              <a:rPr lang="en-US" altLang="zh-TW" b="1" smtClean="0">
+              <a:rPr lang="en-US" altLang="zh-TW" b="1">
                 <a:solidFill>
                   <a:srgbClr val="FF0000"/>
                 </a:solidFill>
@@ -5475,18 +5228,13 @@
               <a:t>byte </a:t>
             </a:r>
             <a:r>
-              <a:rPr lang="zh-TW" altLang="en-US" b="1" smtClean="0">
+              <a:rPr lang="zh-TW" altLang="en-US" b="1">
                 <a:solidFill>
                   <a:srgbClr val="FF0000"/>
                 </a:solidFill>
               </a:rPr>
               <a:t>數值</a:t>
             </a:r>
-            <a:endParaRPr lang="zh-TW" altLang="en-US" b="1">
-              <a:solidFill>
-                <a:srgbClr val="FF0000"/>
-              </a:solidFill>
-            </a:endParaRPr>
           </a:p>
         </p:txBody>
       </p:sp>
@@ -5513,7 +5261,7 @@
           <a:lstStyle/>
           <a:p>
             <a:r>
-              <a:rPr lang="zh-TW" altLang="en-US" b="1" smtClean="0">
+              <a:rPr lang="zh-TW" altLang="en-US" b="1">
                 <a:solidFill>
                   <a:srgbClr val="FF0000"/>
                 </a:solidFill>
@@ -5521,7 +5269,7 @@
               <a:t>呈現 </a:t>
             </a:r>
             <a:r>
-              <a:rPr lang="en-US" altLang="zh-TW" b="1" smtClean="0">
+              <a:rPr lang="en-US" altLang="zh-TW" b="1">
                 <a:solidFill>
                   <a:srgbClr val="FF0000"/>
                 </a:solidFill>
@@ -5529,18 +5277,13 @@
               <a:t>ASCII</a:t>
             </a:r>
             <a:r>
-              <a:rPr lang="zh-TW" altLang="en-US" b="1" smtClean="0">
+              <a:rPr lang="zh-TW" altLang="en-US" b="1">
                 <a:solidFill>
                   <a:srgbClr val="FF0000"/>
                 </a:solidFill>
               </a:rPr>
               <a:t> 字元</a:t>
             </a:r>
-            <a:endParaRPr lang="zh-TW" altLang="en-US" b="1">
-              <a:solidFill>
-                <a:srgbClr val="FF0000"/>
-              </a:solidFill>
-            </a:endParaRPr>
           </a:p>
         </p:txBody>
       </p:sp>

--- a/basicDataProcess/S1_BinaryAndTectData2.pptx
+++ b/basicDataProcess/S1_BinaryAndTectData2.pptx
@@ -217,7 +217,7 @@
           <a:p>
             <a:fld id="{876705D9-278B-47EE-90AF-2ED1E0D6CB9F}" type="datetimeFigureOut">
               <a:rPr lang="zh-TW" altLang="en-US" smtClean="0"/>
-              <a:t>2021/6/10</a:t>
+              <a:t>2021/10/12</a:t>
             </a:fld>
             <a:endParaRPr lang="zh-TW" altLang="en-US"/>
           </a:p>
@@ -663,7 +663,7 @@
           <a:p>
             <a:fld id="{D58BD384-57F6-4D5A-8CBF-59EC341E346E}" type="datetimeFigureOut">
               <a:rPr lang="zh-TW" altLang="en-US" smtClean="0"/>
-              <a:t>2021/6/10</a:t>
+              <a:t>2021/10/12</a:t>
             </a:fld>
             <a:endParaRPr lang="zh-TW" altLang="en-US"/>
           </a:p>
@@ -831,7 +831,7 @@
           <a:p>
             <a:fld id="{D58BD384-57F6-4D5A-8CBF-59EC341E346E}" type="datetimeFigureOut">
               <a:rPr lang="zh-TW" altLang="en-US" smtClean="0"/>
-              <a:t>2021/6/10</a:t>
+              <a:t>2021/10/12</a:t>
             </a:fld>
             <a:endParaRPr lang="zh-TW" altLang="en-US"/>
           </a:p>
@@ -1009,7 +1009,7 @@
           <a:p>
             <a:fld id="{D58BD384-57F6-4D5A-8CBF-59EC341E346E}" type="datetimeFigureOut">
               <a:rPr lang="zh-TW" altLang="en-US" smtClean="0"/>
-              <a:t>2021/6/10</a:t>
+              <a:t>2021/10/12</a:t>
             </a:fld>
             <a:endParaRPr lang="zh-TW" altLang="en-US"/>
           </a:p>
@@ -1177,7 +1177,7 @@
           <a:p>
             <a:fld id="{D58BD384-57F6-4D5A-8CBF-59EC341E346E}" type="datetimeFigureOut">
               <a:rPr lang="zh-TW" altLang="en-US" smtClean="0"/>
-              <a:t>2021/6/10</a:t>
+              <a:t>2021/10/12</a:t>
             </a:fld>
             <a:endParaRPr lang="zh-TW" altLang="en-US"/>
           </a:p>
@@ -1422,7 +1422,7 @@
           <a:p>
             <a:fld id="{D58BD384-57F6-4D5A-8CBF-59EC341E346E}" type="datetimeFigureOut">
               <a:rPr lang="zh-TW" altLang="en-US" smtClean="0"/>
-              <a:t>2021/6/10</a:t>
+              <a:t>2021/10/12</a:t>
             </a:fld>
             <a:endParaRPr lang="zh-TW" altLang="en-US"/>
           </a:p>
@@ -1707,7 +1707,7 @@
           <a:p>
             <a:fld id="{D58BD384-57F6-4D5A-8CBF-59EC341E346E}" type="datetimeFigureOut">
               <a:rPr lang="zh-TW" altLang="en-US" smtClean="0"/>
-              <a:t>2021/6/10</a:t>
+              <a:t>2021/10/12</a:t>
             </a:fld>
             <a:endParaRPr lang="zh-TW" altLang="en-US"/>
           </a:p>
@@ -2126,7 +2126,7 @@
           <a:p>
             <a:fld id="{D58BD384-57F6-4D5A-8CBF-59EC341E346E}" type="datetimeFigureOut">
               <a:rPr lang="zh-TW" altLang="en-US" smtClean="0"/>
-              <a:t>2021/6/10</a:t>
+              <a:t>2021/10/12</a:t>
             </a:fld>
             <a:endParaRPr lang="zh-TW" altLang="en-US"/>
           </a:p>
@@ -2243,7 +2243,7 @@
           <a:p>
             <a:fld id="{D58BD384-57F6-4D5A-8CBF-59EC341E346E}" type="datetimeFigureOut">
               <a:rPr lang="zh-TW" altLang="en-US" smtClean="0"/>
-              <a:t>2021/6/10</a:t>
+              <a:t>2021/10/12</a:t>
             </a:fld>
             <a:endParaRPr lang="zh-TW" altLang="en-US"/>
           </a:p>
@@ -2338,7 +2338,7 @@
           <a:p>
             <a:fld id="{D58BD384-57F6-4D5A-8CBF-59EC341E346E}" type="datetimeFigureOut">
               <a:rPr lang="zh-TW" altLang="en-US" smtClean="0"/>
-              <a:t>2021/6/10</a:t>
+              <a:t>2021/10/12</a:t>
             </a:fld>
             <a:endParaRPr lang="zh-TW" altLang="en-US"/>
           </a:p>
@@ -2613,7 +2613,7 @@
           <a:p>
             <a:fld id="{D58BD384-57F6-4D5A-8CBF-59EC341E346E}" type="datetimeFigureOut">
               <a:rPr lang="zh-TW" altLang="en-US" smtClean="0"/>
-              <a:t>2021/6/10</a:t>
+              <a:t>2021/10/12</a:t>
             </a:fld>
             <a:endParaRPr lang="zh-TW" altLang="en-US"/>
           </a:p>
@@ -2865,7 +2865,7 @@
           <a:p>
             <a:fld id="{D58BD384-57F6-4D5A-8CBF-59EC341E346E}" type="datetimeFigureOut">
               <a:rPr lang="zh-TW" altLang="en-US" smtClean="0"/>
-              <a:t>2021/6/10</a:t>
+              <a:t>2021/10/12</a:t>
             </a:fld>
             <a:endParaRPr lang="zh-TW" altLang="en-US"/>
           </a:p>
@@ -3076,7 +3076,7 @@
           <a:p>
             <a:fld id="{D58BD384-57F6-4D5A-8CBF-59EC341E346E}" type="datetimeFigureOut">
               <a:rPr lang="zh-TW" altLang="en-US" smtClean="0"/>
-              <a:t>2021/6/10</a:t>
+              <a:t>2021/10/12</a:t>
             </a:fld>
             <a:endParaRPr lang="zh-TW" altLang="en-US"/>
           </a:p>
@@ -4965,13 +4965,28 @@
             <a:endParaRPr lang="en-US" altLang="zh-TW" dirty="0"/>
           </a:p>
           <a:p>
+            <a:endParaRPr lang="en-US" altLang="zh-TW"/>
+          </a:p>
+          <a:p>
+            <a:r>
+              <a:rPr lang="zh-TW" altLang="en-US"/>
+              <a:t>文字</a:t>
+            </a:r>
             <a:r>
               <a:rPr lang="zh-TW" altLang="en-US" dirty="0"/>
-              <a:t>人機介面上呈現及處理的通常是文字資料</a:t>
+              <a:t>資料</a:t>
+            </a:r>
+            <a:endParaRPr lang="en-US" altLang="zh-TW" dirty="0"/>
+          </a:p>
+          <a:p>
+            <a:pPr lvl="1"/>
+            <a:r>
+              <a:rPr lang="zh-TW" altLang="en-US" dirty="0"/>
+              <a:t>對應到特定字元集，如 </a:t>
             </a:r>
             <a:r>
               <a:rPr lang="en-US" altLang="zh-TW" dirty="0"/>
-              <a:t>(Texture data) </a:t>
+              <a:t>ASCII</a:t>
             </a:r>
             <a:r>
               <a:rPr lang="zh-TW" altLang="en-US" dirty="0"/>
@@ -4979,8 +4994,16 @@
             </a:r>
             <a:r>
               <a:rPr lang="en-US" altLang="zh-TW" dirty="0"/>
-              <a:t> </a:t>
-            </a:r>
+              <a:t>code</a:t>
+            </a:r>
+          </a:p>
+          <a:p>
+            <a:pPr lvl="1"/>
+            <a:r>
+              <a:rPr lang="zh-TW" altLang="en-US" dirty="0"/>
+              <a:t>可在文字編輯器處裡集呈現</a:t>
+            </a:r>
+            <a:endParaRPr lang="en-US" altLang="zh-TW" dirty="0"/>
           </a:p>
           <a:p>
             <a:pPr lvl="1"/>
@@ -4991,23 +5014,7 @@
             <a:endParaRPr lang="en-US" altLang="zh-TW" dirty="0"/>
           </a:p>
           <a:p>
-            <a:pPr lvl="2"/>
-            <a:r>
-              <a:rPr lang="zh-TW" altLang="en-US" dirty="0"/>
-              <a:t>可在文字編輯器或編輯介面上處理呈現</a:t>
-            </a:r>
             <a:endParaRPr lang="en-US" altLang="zh-TW" dirty="0"/>
-          </a:p>
-          <a:p>
-            <a:r>
-              <a:rPr lang="zh-TW" altLang="en-US" dirty="0"/>
-              <a:t>數位資料不一定可在文字編輯器介面上呈現</a:t>
-            </a:r>
-            <a:r>
-              <a:rPr lang="en-US" altLang="zh-TW" dirty="0"/>
-              <a:t> </a:t>
-            </a:r>
-            <a:endParaRPr lang="zh-TW" altLang="en-US" dirty="0"/>
           </a:p>
         </p:txBody>
       </p:sp>
